--- a/source/statis/redis_share/Redis知识分享.pptx
+++ b/source/statis/redis_share/Redis知识分享.pptx
@@ -305,7 +305,7 @@
           <a:p>
             <a:fld id="{56024378-00D7-45FF-AB87-4712D912B902}" type="datetimeFigureOut">
               <a:rPr lang="zh-CN" altLang="en-US" smtClean="0"/>
-              <a:t>2019/10/30</a:t>
+              <a:t>2020/10/14</a:t>
             </a:fld>
             <a:endParaRPr lang="zh-CN" altLang="en-US"/>
           </a:p>
@@ -887,7 +887,7 @@
           <a:p>
             <a:fld id="{77FA1E59-571F-4351-AC81-E4887704C995}" type="datetimeFigureOut">
               <a:rPr lang="zh-CN" altLang="en-US" smtClean="0"/>
-              <a:t>2019/10/30</a:t>
+              <a:t>2020/10/14</a:t>
             </a:fld>
             <a:endParaRPr lang="zh-CN" altLang="en-US"/>
           </a:p>
@@ -1085,7 +1085,7 @@
           <a:p>
             <a:fld id="{021558A7-513C-47BE-9B6D-29FE45CBE407}" type="datetimeFigureOut">
               <a:rPr lang="zh-CN" altLang="en-US" smtClean="0"/>
-              <a:t>2019/10/30</a:t>
+              <a:t>2020/10/14</a:t>
             </a:fld>
             <a:endParaRPr lang="zh-CN" altLang="en-US"/>
           </a:p>
@@ -1293,7 +1293,7 @@
           <a:p>
             <a:fld id="{021558A7-513C-47BE-9B6D-29FE45CBE407}" type="datetimeFigureOut">
               <a:rPr lang="zh-CN" altLang="en-US" smtClean="0"/>
-              <a:t>2019/10/30</a:t>
+              <a:t>2020/10/14</a:t>
             </a:fld>
             <a:endParaRPr lang="zh-CN" altLang="en-US"/>
           </a:p>
@@ -3371,7 +3371,7 @@
           <a:p>
             <a:fld id="{021558A7-513C-47BE-9B6D-29FE45CBE407}" type="datetimeFigureOut">
               <a:rPr lang="zh-CN" altLang="en-US" smtClean="0"/>
-              <a:t>2019/10/30</a:t>
+              <a:t>2020/10/14</a:t>
             </a:fld>
             <a:endParaRPr lang="zh-CN" altLang="en-US"/>
           </a:p>
@@ -3646,7 +3646,7 @@
           <a:p>
             <a:fld id="{77FA1E59-571F-4351-AC81-E4887704C995}" type="datetimeFigureOut">
               <a:rPr lang="zh-CN" altLang="en-US" smtClean="0"/>
-              <a:t>2019/10/30</a:t>
+              <a:t>2020/10/14</a:t>
             </a:fld>
             <a:endParaRPr lang="zh-CN" altLang="en-US"/>
           </a:p>
@@ -3922,7 +3922,7 @@
           <a:p>
             <a:fld id="{021558A7-513C-47BE-9B6D-29FE45CBE407}" type="datetimeFigureOut">
               <a:rPr lang="zh-CN" altLang="en-US" smtClean="0"/>
-              <a:t>2019/10/30</a:t>
+              <a:t>2020/10/14</a:t>
             </a:fld>
             <a:endParaRPr lang="zh-CN" altLang="en-US"/>
           </a:p>
@@ -4334,7 +4334,7 @@
           <a:p>
             <a:fld id="{021558A7-513C-47BE-9B6D-29FE45CBE407}" type="datetimeFigureOut">
               <a:rPr lang="zh-CN" altLang="en-US" smtClean="0"/>
-              <a:t>2019/10/30</a:t>
+              <a:t>2020/10/14</a:t>
             </a:fld>
             <a:endParaRPr lang="zh-CN" altLang="en-US"/>
           </a:p>
@@ -4475,7 +4475,7 @@
           <a:p>
             <a:fld id="{77FA1E59-571F-4351-AC81-E4887704C995}" type="datetimeFigureOut">
               <a:rPr lang="zh-CN" altLang="en-US" smtClean="0"/>
-              <a:t>2019/10/30</a:t>
+              <a:t>2020/10/14</a:t>
             </a:fld>
             <a:endParaRPr lang="zh-CN" altLang="en-US"/>
           </a:p>
@@ -4588,7 +4588,7 @@
           <a:p>
             <a:fld id="{021558A7-513C-47BE-9B6D-29FE45CBE407}" type="datetimeFigureOut">
               <a:rPr lang="zh-CN" altLang="en-US" smtClean="0"/>
-              <a:t>2019/10/30</a:t>
+              <a:t>2020/10/14</a:t>
             </a:fld>
             <a:endParaRPr lang="zh-CN" altLang="en-US"/>
           </a:p>
@@ -4899,7 +4899,7 @@
           <a:p>
             <a:fld id="{021558A7-513C-47BE-9B6D-29FE45CBE407}" type="datetimeFigureOut">
               <a:rPr lang="zh-CN" altLang="en-US" smtClean="0"/>
-              <a:t>2019/10/30</a:t>
+              <a:t>2020/10/14</a:t>
             </a:fld>
             <a:endParaRPr lang="zh-CN" altLang="en-US"/>
           </a:p>
@@ -5187,7 +5187,7 @@
           <a:p>
             <a:fld id="{021558A7-513C-47BE-9B6D-29FE45CBE407}" type="datetimeFigureOut">
               <a:rPr lang="zh-CN" altLang="en-US" smtClean="0"/>
-              <a:t>2019/10/30</a:t>
+              <a:t>2020/10/14</a:t>
             </a:fld>
             <a:endParaRPr lang="zh-CN" altLang="en-US"/>
           </a:p>
@@ -5428,7 +5428,7 @@
           <a:p>
             <a:fld id="{021558A7-513C-47BE-9B6D-29FE45CBE407}" type="datetimeFigureOut">
               <a:rPr lang="zh-CN" altLang="en-US" smtClean="0"/>
-              <a:t>2019/10/30</a:t>
+              <a:t>2020/10/14</a:t>
             </a:fld>
             <a:endParaRPr lang="zh-CN" altLang="en-US"/>
           </a:p>
@@ -6420,7 +6420,7 @@
         </p:spPr>
         <p:txBody>
           <a:bodyPr>
-            <a:normAutofit/>
+            <a:normAutofit fontScale="92500" lnSpcReduction="10000"/>
           </a:bodyPr>
           <a:lstStyle/>
           <a:p>
@@ -13920,7 +13920,7 @@
           <a:graphicData uri="http://schemas.openxmlformats.org/presentationml/2006/ole">
             <mc:AlternateContent xmlns:mc="http://schemas.openxmlformats.org/markup-compatibility/2006">
               <mc:Choice xmlns:v="urn:schemas-microsoft-com:vml" Requires="v">
-                <p:oleObj spid="_x0000_s1039" name="Visio" r:id="rId3" imgW="8925033" imgH="6820036" progId="Visio.Drawing.15">
+                <p:oleObj spid="_x0000_s1041" name="Visio" r:id="rId3" imgW="8925033" imgH="6820036" progId="Visio.Drawing.15">
                   <p:embed/>
                 </p:oleObj>
               </mc:Choice>
@@ -15513,7 +15513,7 @@
         </p:spPr>
         <p:txBody>
           <a:bodyPr vert="horz" lIns="91440" tIns="45720" rIns="91440" bIns="45720" rtlCol="0">
-            <a:normAutofit fontScale="32500" lnSpcReduction="20000"/>
+            <a:normAutofit fontScale="25000" lnSpcReduction="20000"/>
           </a:bodyPr>
           <a:lstStyle>
             <a:lvl1pPr marL="228600" indent="-228600" algn="l" defTabSz="914400" rtl="0" eaLnBrk="1" latinLnBrk="0" hangingPunct="1">
@@ -16026,7 +16026,7 @@
         </p:spPr>
         <p:txBody>
           <a:bodyPr vert="horz" lIns="91440" tIns="45720" rIns="91440" bIns="45720" rtlCol="0">
-            <a:normAutofit fontScale="32500" lnSpcReduction="20000"/>
+            <a:normAutofit fontScale="25000" lnSpcReduction="20000"/>
           </a:bodyPr>
           <a:lstStyle>
             <a:lvl1pPr marL="228600" indent="-228600" algn="l" defTabSz="914400" rtl="0" eaLnBrk="1" latinLnBrk="0" hangingPunct="1">
@@ -20673,7 +20673,19 @@
             </a:pPr>
             <a:r>
               <a:rPr lang="zh-CN" altLang="en-US" sz="1200" dirty="0"/>
-              <a:t>如果缓存集中在一段时间内失效，发生大量的缓存穿透，所有的查询都落在数据库上，造成了缓存雪崩。这个没有完美解决办法，但可以分析用户行为，尽量让失效时间点均匀分布。大多数系统设计者考虑用加锁或者队列的方式保证缓存的单线程（进程）写，从而避免失效时大量的并发请求落到底层存储系统上。</a:t>
+              <a:t>如果缓存集中在一段时间内失效，发生</a:t>
+            </a:r>
+            <a:r>
+              <a:rPr lang="zh-CN" altLang="en-US" sz="1200" dirty="0">
+                <a:solidFill>
+                  <a:srgbClr val="FFC000"/>
+                </a:solidFill>
+              </a:rPr>
+              <a:t>大量的</a:t>
+            </a:r>
+            <a:r>
+              <a:rPr lang="zh-CN" altLang="en-US" sz="1200" dirty="0"/>
+              <a:t>缓存穿透，所有的查询都落在数据库上，造成了缓存雪崩。这个没有完美解决办法，但可以分析用户行为，尽量让失效时间点均匀分布。大多数系统设计者考虑用加锁或者队列的方式保证缓存的单线程（进程）写，从而避免失效时大量的并发请求落到底层存储系统上。</a:t>
             </a:r>
             <a:endParaRPr lang="en-US" altLang="zh-CN" sz="1200" dirty="0"/>
           </a:p>
@@ -23904,7 +23916,9 @@
           </a:xfrm>
         </p:spPr>
         <p:txBody>
-          <a:bodyPr/>
+          <a:bodyPr>
+            <a:normAutofit fontScale="92500" lnSpcReduction="20000"/>
+          </a:bodyPr>
           <a:lstStyle/>
           <a:p>
             <a:pPr marL="0" indent="0" algn="ctr">
@@ -23943,28 +23957,15 @@
                 <a:latin typeface="微软雅黑" panose="020B0503020204020204" pitchFamily="34" charset="-122"/>
                 <a:ea typeface="微软雅黑" panose="020B0503020204020204" pitchFamily="34" charset="-122"/>
               </a:rPr>
-              <a:t>\\10.10.1.9\09</a:t>
-            </a:r>
-            <a:r>
-              <a:rPr lang="zh-CN" altLang="en-US" dirty="0">
-                <a:solidFill>
-                  <a:schemeClr val="accent1"/>
-                </a:solidFill>
-                <a:latin typeface="微软雅黑" panose="020B0503020204020204" pitchFamily="34" charset="-122"/>
-                <a:ea typeface="微软雅黑" panose="020B0503020204020204" pitchFamily="34" charset="-122"/>
-              </a:rPr>
-              <a:t>文件中转站</a:t>
-            </a:r>
-            <a:r>
-              <a:rPr lang="en-US" altLang="zh-CN" dirty="0">
-                <a:solidFill>
-                  <a:schemeClr val="accent1"/>
-                </a:solidFill>
-                <a:latin typeface="微软雅黑" panose="020B0503020204020204" pitchFamily="34" charset="-122"/>
-                <a:ea typeface="微软雅黑" panose="020B0503020204020204" pitchFamily="34" charset="-122"/>
-              </a:rPr>
-              <a:t>\redis_share</a:t>
-            </a:r>
+              <a:t>https://wiki.masantu.com/statis/redis_share/Redis%E7%9F%A5%E8%AF%86%E5%88%86%E4%BA%AB.pptx</a:t>
+            </a:r>
+            <a:endParaRPr lang="en-US" altLang="zh-CN" dirty="0">
+              <a:solidFill>
+                <a:schemeClr val="accent1"/>
+              </a:solidFill>
+              <a:latin typeface="微软雅黑" panose="020B0503020204020204" pitchFamily="34" charset="-122"/>
+              <a:ea typeface="微软雅黑" panose="020B0503020204020204" pitchFamily="34" charset="-122"/>
+            </a:endParaRPr>
           </a:p>
         </p:txBody>
       </p:sp>
@@ -25064,7 +25065,7 @@
                             <a:srgbClr val="136EC2"/>
                           </a:solidFill>
                           <a:effectLst/>
-                          <a:hlinkClick r:id="rId7"/>
+                          <a:hlinkClick r:id="rId5"/>
                         </a:rPr>
                         <a:t>C#</a:t>
                       </a:r>
@@ -25086,7 +25087,7 @@
                             <a:srgbClr val="136EC2"/>
                           </a:solidFill>
                           <a:effectLst/>
-                          <a:hlinkClick r:id="rId8"/>
+                          <a:hlinkClick r:id="rId7"/>
                         </a:rPr>
                         <a:t>Clojure</a:t>
                       </a:r>
@@ -25155,7 +25156,7 @@
                             <a:srgbClr val="136EC2"/>
                           </a:solidFill>
                           <a:effectLst/>
-                          <a:hlinkClick r:id="rId9"/>
+                          <a:hlinkClick r:id="rId8"/>
                         </a:rPr>
                         <a:t>Common Lisp</a:t>
                       </a:r>
@@ -25177,7 +25178,7 @@
                             <a:srgbClr val="136EC2"/>
                           </a:solidFill>
                           <a:effectLst/>
-                          <a:hlinkClick r:id="rId10"/>
+                          <a:hlinkClick r:id="rId9"/>
                         </a:rPr>
                         <a:t>Dart</a:t>
                       </a:r>
@@ -25199,7 +25200,7 @@
                             <a:srgbClr val="136EC2"/>
                           </a:solidFill>
                           <a:effectLst/>
-                          <a:hlinkClick r:id="rId11"/>
+                          <a:hlinkClick r:id="rId10"/>
                         </a:rPr>
                         <a:t>Erlang</a:t>
                       </a:r>
@@ -25221,7 +25222,7 @@
                             <a:srgbClr val="136EC2"/>
                           </a:solidFill>
                           <a:effectLst/>
-                          <a:hlinkClick r:id="rId12"/>
+                          <a:hlinkClick r:id="rId11"/>
                         </a:rPr>
                         <a:t>Go</a:t>
                       </a:r>
@@ -25243,7 +25244,7 @@
                             <a:srgbClr val="136EC2"/>
                           </a:solidFill>
                           <a:effectLst/>
-                          <a:hlinkClick r:id="rId13"/>
+                          <a:hlinkClick r:id="rId12"/>
                         </a:rPr>
                         <a:t>Haskell</a:t>
                       </a:r>
@@ -25312,7 +25313,7 @@
                             <a:srgbClr val="136EC2"/>
                           </a:solidFill>
                           <a:effectLst/>
-                          <a:hlinkClick r:id="rId14"/>
+                          <a:hlinkClick r:id="rId13"/>
                         </a:rPr>
                         <a:t>Haxe</a:t>
                       </a:r>
@@ -25334,7 +25335,7 @@
                             <a:srgbClr val="136EC2"/>
                           </a:solidFill>
                           <a:effectLst/>
-                          <a:hlinkClick r:id="rId15"/>
+                          <a:hlinkClick r:id="rId14"/>
                         </a:rPr>
                         <a:t>Io</a:t>
                       </a:r>
@@ -25356,7 +25357,7 @@
                             <a:srgbClr val="136EC2"/>
                           </a:solidFill>
                           <a:effectLst/>
-                          <a:hlinkClick r:id="rId16"/>
+                          <a:hlinkClick r:id="rId15"/>
                         </a:rPr>
                         <a:t>Java</a:t>
                       </a:r>
@@ -25378,7 +25379,7 @@
                             <a:srgbClr val="136EC2"/>
                           </a:solidFill>
                           <a:effectLst/>
-                          <a:hlinkClick r:id="rId17"/>
+                          <a:hlinkClick r:id="rId16"/>
                         </a:rPr>
                         <a:t>Node.js</a:t>
                       </a:r>
@@ -25400,7 +25401,7 @@
                             <a:srgbClr val="136EC2"/>
                           </a:solidFill>
                           <a:effectLst/>
-                          <a:hlinkClick r:id="rId18"/>
+                          <a:hlinkClick r:id="rId17"/>
                         </a:rPr>
                         <a:t>Lua</a:t>
                       </a:r>
@@ -25511,7 +25512,7 @@
                             <a:srgbClr val="136EC2"/>
                           </a:solidFill>
                           <a:effectLst/>
-                          <a:hlinkClick r:id="rId19"/>
+                          <a:hlinkClick r:id="rId18"/>
                         </a:rPr>
                         <a:t>PHP</a:t>
                       </a:r>
@@ -25548,7 +25549,7 @@
                             <a:srgbClr val="136EC2"/>
                           </a:solidFill>
                           <a:effectLst/>
-                          <a:hlinkClick r:id="rId20"/>
+                          <a:hlinkClick r:id="rId19"/>
                         </a:rPr>
                         <a:t>Python</a:t>
                       </a:r>
@@ -26118,7 +26119,7 @@
                 <a:hlinkClick r:id="rId2">
                   <a:extLst>
                     <a:ext uri="{A12FA001-AC4F-418D-AE19-62706E023703}">
-                      <ahyp:hlinkClr xmlns:ahyp="http://schemas.microsoft.com/office/drawing/2018/hyperlinkcolor" val="tx"/>
+                      <ahyp:hlinkClr xmlns:ahyp="http://schemas.microsoft.com/office/drawing/2018/hyperlinkcolor" xmlns="" val="tx"/>
                     </a:ext>
                   </a:extLst>
                 </a:hlinkClick>
@@ -27271,7 +27272,7 @@
                           <a:hlinkClick r:id="rId10">
                             <a:extLst>
                               <a:ext uri="{A12FA001-AC4F-418D-AE19-62706E023703}">
-                                <ahyp:hlinkClr xmlns:ahyp="http://schemas.microsoft.com/office/drawing/2018/hyperlinkcolor" val="tx"/>
+                                <ahyp:hlinkClr xmlns:ahyp="http://schemas.microsoft.com/office/drawing/2018/hyperlinkcolor" xmlns="" val="tx"/>
                               </a:ext>
                             </a:extLst>
                           </a:hlinkClick>
